--- a/images/SourceCustomizedImages.pptx
+++ b/images/SourceCustomizedImages.pptx
@@ -105,6 +105,11 @@
       </a:defRPr>
     </a:lvl9pPr>
   </p:defaultTextStyle>
+  <p:extLst>
+    <p:ext uri="{EFAFB233-063F-42B5-8137-9DF3F51BA10A}">
+      <p15:sldGuideLst xmlns:p15="http://schemas.microsoft.com/office/powerpoint/2012/main"/>
+    </p:ext>
+  </p:extLst>
 </p:presentation>
 </file>
 
@@ -257,7 +262,7 @@
           <a:p>
             <a:fld id="{796B8E88-C98E-4179-8DEB-CE0E13AB156E}" type="datetimeFigureOut">
               <a:rPr lang="de-DE" smtClean="0"/>
-              <a:t>24.02.2023</a:t>
+              <a:t>18.03.2023</a:t>
             </a:fld>
             <a:endParaRPr lang="de-DE"/>
           </a:p>
@@ -457,7 +462,7 @@
           <a:p>
             <a:fld id="{796B8E88-C98E-4179-8DEB-CE0E13AB156E}" type="datetimeFigureOut">
               <a:rPr lang="de-DE" smtClean="0"/>
-              <a:t>24.02.2023</a:t>
+              <a:t>18.03.2023</a:t>
             </a:fld>
             <a:endParaRPr lang="de-DE"/>
           </a:p>
@@ -667,7 +672,7 @@
           <a:p>
             <a:fld id="{796B8E88-C98E-4179-8DEB-CE0E13AB156E}" type="datetimeFigureOut">
               <a:rPr lang="de-DE" smtClean="0"/>
-              <a:t>24.02.2023</a:t>
+              <a:t>18.03.2023</a:t>
             </a:fld>
             <a:endParaRPr lang="de-DE"/>
           </a:p>
@@ -867,7 +872,7 @@
           <a:p>
             <a:fld id="{796B8E88-C98E-4179-8DEB-CE0E13AB156E}" type="datetimeFigureOut">
               <a:rPr lang="de-DE" smtClean="0"/>
-              <a:t>24.02.2023</a:t>
+              <a:t>18.03.2023</a:t>
             </a:fld>
             <a:endParaRPr lang="de-DE"/>
           </a:p>
@@ -1143,7 +1148,7 @@
           <a:p>
             <a:fld id="{796B8E88-C98E-4179-8DEB-CE0E13AB156E}" type="datetimeFigureOut">
               <a:rPr lang="de-DE" smtClean="0"/>
-              <a:t>24.02.2023</a:t>
+              <a:t>18.03.2023</a:t>
             </a:fld>
             <a:endParaRPr lang="de-DE"/>
           </a:p>
@@ -1411,7 +1416,7 @@
           <a:p>
             <a:fld id="{796B8E88-C98E-4179-8DEB-CE0E13AB156E}" type="datetimeFigureOut">
               <a:rPr lang="de-DE" smtClean="0"/>
-              <a:t>24.02.2023</a:t>
+              <a:t>18.03.2023</a:t>
             </a:fld>
             <a:endParaRPr lang="de-DE"/>
           </a:p>
@@ -1826,7 +1831,7 @@
           <a:p>
             <a:fld id="{796B8E88-C98E-4179-8DEB-CE0E13AB156E}" type="datetimeFigureOut">
               <a:rPr lang="de-DE" smtClean="0"/>
-              <a:t>24.02.2023</a:t>
+              <a:t>18.03.2023</a:t>
             </a:fld>
             <a:endParaRPr lang="de-DE"/>
           </a:p>
@@ -1968,7 +1973,7 @@
           <a:p>
             <a:fld id="{796B8E88-C98E-4179-8DEB-CE0E13AB156E}" type="datetimeFigureOut">
               <a:rPr lang="de-DE" smtClean="0"/>
-              <a:t>24.02.2023</a:t>
+              <a:t>18.03.2023</a:t>
             </a:fld>
             <a:endParaRPr lang="de-DE"/>
           </a:p>
@@ -2081,7 +2086,7 @@
           <a:p>
             <a:fld id="{796B8E88-C98E-4179-8DEB-CE0E13AB156E}" type="datetimeFigureOut">
               <a:rPr lang="de-DE" smtClean="0"/>
-              <a:t>24.02.2023</a:t>
+              <a:t>18.03.2023</a:t>
             </a:fld>
             <a:endParaRPr lang="de-DE"/>
           </a:p>
@@ -2394,7 +2399,7 @@
           <a:p>
             <a:fld id="{796B8E88-C98E-4179-8DEB-CE0E13AB156E}" type="datetimeFigureOut">
               <a:rPr lang="de-DE" smtClean="0"/>
-              <a:t>24.02.2023</a:t>
+              <a:t>18.03.2023</a:t>
             </a:fld>
             <a:endParaRPr lang="de-DE"/>
           </a:p>
@@ -2683,7 +2688,7 @@
           <a:p>
             <a:fld id="{796B8E88-C98E-4179-8DEB-CE0E13AB156E}" type="datetimeFigureOut">
               <a:rPr lang="de-DE" smtClean="0"/>
-              <a:t>24.02.2023</a:t>
+              <a:t>18.03.2023</a:t>
             </a:fld>
             <a:endParaRPr lang="de-DE"/>
           </a:p>
@@ -2926,7 +2931,7 @@
           <a:p>
             <a:fld id="{796B8E88-C98E-4179-8DEB-CE0E13AB156E}" type="datetimeFigureOut">
               <a:rPr lang="de-DE" smtClean="0"/>
-              <a:t>24.02.2023</a:t>
+              <a:t>18.03.2023</a:t>
             </a:fld>
             <a:endParaRPr lang="de-DE"/>
           </a:p>
@@ -3938,7 +3943,23 @@
                   <a:schemeClr val="bg1"/>
                 </a:solidFill>
               </a:rPr>
-              <a:t>Main Content </a:t>
+              <a:t>Main </a:t>
+            </a:r>
+            <a:r>
+              <a:rPr lang="de-DE" sz="1400" dirty="0" err="1">
+                <a:solidFill>
+                  <a:schemeClr val="bg1"/>
+                </a:solidFill>
+              </a:rPr>
+              <a:t>content</a:t>
+            </a:r>
+            <a:r>
+              <a:rPr lang="de-DE" sz="1400" dirty="0">
+                <a:solidFill>
+                  <a:schemeClr val="bg1"/>
+                </a:solidFill>
+              </a:rPr>
+              <a:t> </a:t>
             </a:r>
             <a:r>
               <a:rPr lang="de-DE" sz="1400" dirty="0" err="1">
@@ -3962,7 +3983,7 @@
                   <a:schemeClr val="bg1"/>
                 </a:solidFill>
               </a:rPr>
-              <a:t>imlement</a:t>
+              <a:t>implement</a:t>
             </a:r>
             <a:endParaRPr lang="de-DE" sz="1400" dirty="0">
               <a:solidFill>

--- a/images/SourceCustomizedImages.pptx
+++ b/images/SourceCustomizedImages.pptx
@@ -7,6 +7,7 @@
   <p:sldIdLst>
     <p:sldId id="256" r:id="rId2"/>
     <p:sldId id="257" r:id="rId3"/>
+    <p:sldId id="258" r:id="rId4"/>
   </p:sldIdLst>
   <p:sldSz cx="12192000" cy="6858000"/>
   <p:notesSz cx="6858000" cy="9144000"/>
@@ -262,7 +263,7 @@
           <a:p>
             <a:fld id="{796B8E88-C98E-4179-8DEB-CE0E13AB156E}" type="datetimeFigureOut">
               <a:rPr lang="de-DE" smtClean="0"/>
-              <a:t>18.03.2023</a:t>
+              <a:t>19.03.2023</a:t>
             </a:fld>
             <a:endParaRPr lang="de-DE"/>
           </a:p>
@@ -462,7 +463,7 @@
           <a:p>
             <a:fld id="{796B8E88-C98E-4179-8DEB-CE0E13AB156E}" type="datetimeFigureOut">
               <a:rPr lang="de-DE" smtClean="0"/>
-              <a:t>18.03.2023</a:t>
+              <a:t>19.03.2023</a:t>
             </a:fld>
             <a:endParaRPr lang="de-DE"/>
           </a:p>
@@ -672,7 +673,7 @@
           <a:p>
             <a:fld id="{796B8E88-C98E-4179-8DEB-CE0E13AB156E}" type="datetimeFigureOut">
               <a:rPr lang="de-DE" smtClean="0"/>
-              <a:t>18.03.2023</a:t>
+              <a:t>19.03.2023</a:t>
             </a:fld>
             <a:endParaRPr lang="de-DE"/>
           </a:p>
@@ -872,7 +873,7 @@
           <a:p>
             <a:fld id="{796B8E88-C98E-4179-8DEB-CE0E13AB156E}" type="datetimeFigureOut">
               <a:rPr lang="de-DE" smtClean="0"/>
-              <a:t>18.03.2023</a:t>
+              <a:t>19.03.2023</a:t>
             </a:fld>
             <a:endParaRPr lang="de-DE"/>
           </a:p>
@@ -1148,7 +1149,7 @@
           <a:p>
             <a:fld id="{796B8E88-C98E-4179-8DEB-CE0E13AB156E}" type="datetimeFigureOut">
               <a:rPr lang="de-DE" smtClean="0"/>
-              <a:t>18.03.2023</a:t>
+              <a:t>19.03.2023</a:t>
             </a:fld>
             <a:endParaRPr lang="de-DE"/>
           </a:p>
@@ -1416,7 +1417,7 @@
           <a:p>
             <a:fld id="{796B8E88-C98E-4179-8DEB-CE0E13AB156E}" type="datetimeFigureOut">
               <a:rPr lang="de-DE" smtClean="0"/>
-              <a:t>18.03.2023</a:t>
+              <a:t>19.03.2023</a:t>
             </a:fld>
             <a:endParaRPr lang="de-DE"/>
           </a:p>
@@ -1831,7 +1832,7 @@
           <a:p>
             <a:fld id="{796B8E88-C98E-4179-8DEB-CE0E13AB156E}" type="datetimeFigureOut">
               <a:rPr lang="de-DE" smtClean="0"/>
-              <a:t>18.03.2023</a:t>
+              <a:t>19.03.2023</a:t>
             </a:fld>
             <a:endParaRPr lang="de-DE"/>
           </a:p>
@@ -1973,7 +1974,7 @@
           <a:p>
             <a:fld id="{796B8E88-C98E-4179-8DEB-CE0E13AB156E}" type="datetimeFigureOut">
               <a:rPr lang="de-DE" smtClean="0"/>
-              <a:t>18.03.2023</a:t>
+              <a:t>19.03.2023</a:t>
             </a:fld>
             <a:endParaRPr lang="de-DE"/>
           </a:p>
@@ -2086,7 +2087,7 @@
           <a:p>
             <a:fld id="{796B8E88-C98E-4179-8DEB-CE0E13AB156E}" type="datetimeFigureOut">
               <a:rPr lang="de-DE" smtClean="0"/>
-              <a:t>18.03.2023</a:t>
+              <a:t>19.03.2023</a:t>
             </a:fld>
             <a:endParaRPr lang="de-DE"/>
           </a:p>
@@ -2399,7 +2400,7 @@
           <a:p>
             <a:fld id="{796B8E88-C98E-4179-8DEB-CE0E13AB156E}" type="datetimeFigureOut">
               <a:rPr lang="de-DE" smtClean="0"/>
-              <a:t>18.03.2023</a:t>
+              <a:t>19.03.2023</a:t>
             </a:fld>
             <a:endParaRPr lang="de-DE"/>
           </a:p>
@@ -2688,7 +2689,7 @@
           <a:p>
             <a:fld id="{796B8E88-C98E-4179-8DEB-CE0E13AB156E}" type="datetimeFigureOut">
               <a:rPr lang="de-DE" smtClean="0"/>
-              <a:t>18.03.2023</a:t>
+              <a:t>19.03.2023</a:t>
             </a:fld>
             <a:endParaRPr lang="de-DE"/>
           </a:p>
@@ -2931,7 +2932,7 @@
           <a:p>
             <a:fld id="{796B8E88-C98E-4179-8DEB-CE0E13AB156E}" type="datetimeFigureOut">
               <a:rPr lang="de-DE" smtClean="0"/>
-              <a:t>18.03.2023</a:t>
+              <a:t>19.03.2023</a:t>
             </a:fld>
             <a:endParaRPr lang="de-DE"/>
           </a:p>
@@ -4099,6 +4100,1027 @@
 </p:sld>
 </file>
 
+<file path=ppt/slides/slide3.xml><?xml version="1.0" encoding="utf-8"?>
+<p:sld xmlns:a="http://schemas.openxmlformats.org/drawingml/2006/main" xmlns:r="http://schemas.openxmlformats.org/officeDocument/2006/relationships" xmlns:p="http://schemas.openxmlformats.org/presentationml/2006/main">
+  <p:cSld>
+    <p:spTree>
+      <p:nvGrpSpPr>
+        <p:cNvPr id="1" name=""/>
+        <p:cNvGrpSpPr/>
+        <p:nvPr/>
+      </p:nvGrpSpPr>
+      <p:grpSpPr>
+        <a:xfrm>
+          <a:off x="0" y="0"/>
+          <a:ext cx="0" cy="0"/>
+          <a:chOff x="0" y="0"/>
+          <a:chExt cx="0" cy="0"/>
+        </a:xfrm>
+      </p:grpSpPr>
+      <p:sp>
+        <p:nvSpPr>
+          <p:cNvPr id="2" name="Flowchart: Internal Storage 1">
+            <a:extLst>
+              <a:ext uri="{FF2B5EF4-FFF2-40B4-BE49-F238E27FC236}">
+                <a16:creationId xmlns:a16="http://schemas.microsoft.com/office/drawing/2014/main" id="{DDD6A6F2-1473-0D3A-28CC-0C633D2CFFCC}"/>
+              </a:ext>
+            </a:extLst>
+          </p:cNvPr>
+          <p:cNvSpPr/>
+          <p:nvPr/>
+        </p:nvSpPr>
+        <p:spPr>
+          <a:xfrm>
+            <a:off x="5015880" y="1916832"/>
+            <a:ext cx="1080120" cy="720080"/>
+          </a:xfrm>
+          <a:prstGeom prst="flowChartInternalStorage">
+            <a:avLst/>
+          </a:prstGeom>
+          <a:solidFill>
+            <a:srgbClr val="FFD1D8"/>
+          </a:solidFill>
+          <a:ln w="28575">
+            <a:solidFill>
+              <a:srgbClr val="C00000"/>
+            </a:solidFill>
+          </a:ln>
+        </p:spPr>
+        <p:style>
+          <a:lnRef idx="2">
+            <a:schemeClr val="accent1">
+              <a:shade val="50000"/>
+            </a:schemeClr>
+          </a:lnRef>
+          <a:fillRef idx="1">
+            <a:schemeClr val="accent1"/>
+          </a:fillRef>
+          <a:effectRef idx="0">
+            <a:schemeClr val="accent1"/>
+          </a:effectRef>
+          <a:fontRef idx="minor">
+            <a:schemeClr val="lt1"/>
+          </a:fontRef>
+        </p:style>
+        <p:txBody>
+          <a:bodyPr rtlCol="0" anchor="ctr"/>
+          <a:lstStyle/>
+          <a:p>
+            <a:pPr algn="ctr"/>
+            <a:r>
+              <a:rPr lang="de-DE" sz="1200" dirty="0">
+                <a:solidFill>
+                  <a:srgbClr val="C00000"/>
+                </a:solidFill>
+              </a:rPr>
+              <a:t>IMP_RAW_HDR</a:t>
+            </a:r>
+          </a:p>
+        </p:txBody>
+      </p:sp>
+      <p:sp>
+        <p:nvSpPr>
+          <p:cNvPr id="5" name="Flowchart: Internal Storage 4">
+            <a:extLst>
+              <a:ext uri="{FF2B5EF4-FFF2-40B4-BE49-F238E27FC236}">
+                <a16:creationId xmlns:a16="http://schemas.microsoft.com/office/drawing/2014/main" id="{93436205-F617-037B-9E2A-457AF6EC9BF6}"/>
+              </a:ext>
+            </a:extLst>
+          </p:cNvPr>
+          <p:cNvSpPr/>
+          <p:nvPr/>
+        </p:nvSpPr>
+        <p:spPr>
+          <a:xfrm>
+            <a:off x="5015880" y="3212976"/>
+            <a:ext cx="1080120" cy="720080"/>
+          </a:xfrm>
+          <a:prstGeom prst="flowChartInternalStorage">
+            <a:avLst/>
+          </a:prstGeom>
+          <a:solidFill>
+            <a:srgbClr val="FFD1D8"/>
+          </a:solidFill>
+          <a:ln w="28575">
+            <a:solidFill>
+              <a:srgbClr val="C00000"/>
+            </a:solidFill>
+          </a:ln>
+        </p:spPr>
+        <p:style>
+          <a:lnRef idx="2">
+            <a:schemeClr val="accent1">
+              <a:shade val="50000"/>
+            </a:schemeClr>
+          </a:lnRef>
+          <a:fillRef idx="1">
+            <a:schemeClr val="accent1"/>
+          </a:fillRef>
+          <a:effectRef idx="0">
+            <a:schemeClr val="accent1"/>
+          </a:effectRef>
+          <a:fontRef idx="minor">
+            <a:schemeClr val="lt1"/>
+          </a:fontRef>
+        </p:style>
+        <p:txBody>
+          <a:bodyPr rtlCol="0" anchor="ctr"/>
+          <a:lstStyle/>
+          <a:p>
+            <a:pPr algn="ctr"/>
+            <a:r>
+              <a:rPr lang="de-DE" sz="1200" dirty="0">
+                <a:solidFill>
+                  <a:srgbClr val="C00000"/>
+                </a:solidFill>
+              </a:rPr>
+              <a:t>IMP_RAW</a:t>
+            </a:r>
+          </a:p>
+        </p:txBody>
+      </p:sp>
+      <p:sp>
+        <p:nvSpPr>
+          <p:cNvPr id="7" name="Flowchart: Internal Storage 6">
+            <a:extLst>
+              <a:ext uri="{FF2B5EF4-FFF2-40B4-BE49-F238E27FC236}">
+                <a16:creationId xmlns:a16="http://schemas.microsoft.com/office/drawing/2014/main" id="{D4E26737-4F04-716C-9068-FA94F962D312}"/>
+              </a:ext>
+            </a:extLst>
+          </p:cNvPr>
+          <p:cNvSpPr/>
+          <p:nvPr/>
+        </p:nvSpPr>
+        <p:spPr>
+          <a:xfrm>
+            <a:off x="7426870" y="1916832"/>
+            <a:ext cx="1080120" cy="720080"/>
+          </a:xfrm>
+          <a:prstGeom prst="flowChartInternalStorage">
+            <a:avLst/>
+          </a:prstGeom>
+          <a:solidFill>
+            <a:schemeClr val="bg2"/>
+          </a:solidFill>
+          <a:ln>
+            <a:solidFill>
+              <a:schemeClr val="tx1">
+                <a:lumMod val="50000"/>
+                <a:lumOff val="50000"/>
+              </a:schemeClr>
+            </a:solidFill>
+          </a:ln>
+        </p:spPr>
+        <p:style>
+          <a:lnRef idx="2">
+            <a:schemeClr val="accent1">
+              <a:shade val="50000"/>
+            </a:schemeClr>
+          </a:lnRef>
+          <a:fillRef idx="1">
+            <a:schemeClr val="accent1"/>
+          </a:fillRef>
+          <a:effectRef idx="0">
+            <a:schemeClr val="accent1"/>
+          </a:effectRef>
+          <a:fontRef idx="minor">
+            <a:schemeClr val="lt1"/>
+          </a:fontRef>
+        </p:style>
+        <p:txBody>
+          <a:bodyPr rtlCol="0" anchor="ctr"/>
+          <a:lstStyle/>
+          <a:p>
+            <a:pPr algn="ctr"/>
+            <a:r>
+              <a:rPr lang="de-DE" sz="1200" dirty="0">
+                <a:solidFill>
+                  <a:schemeClr val="tx1"/>
+                </a:solidFill>
+              </a:rPr>
+              <a:t>USERS</a:t>
+            </a:r>
+          </a:p>
+        </p:txBody>
+      </p:sp>
+      <p:sp>
+        <p:nvSpPr>
+          <p:cNvPr id="8" name="Flowchart: Internal Storage 7">
+            <a:extLst>
+              <a:ext uri="{FF2B5EF4-FFF2-40B4-BE49-F238E27FC236}">
+                <a16:creationId xmlns:a16="http://schemas.microsoft.com/office/drawing/2014/main" id="{3E42545D-0CD3-38DD-610B-D8DCB77928AB}"/>
+              </a:ext>
+            </a:extLst>
+          </p:cNvPr>
+          <p:cNvSpPr/>
+          <p:nvPr/>
+        </p:nvSpPr>
+        <p:spPr>
+          <a:xfrm>
+            <a:off x="7426870" y="3210792"/>
+            <a:ext cx="1080120" cy="720080"/>
+          </a:xfrm>
+          <a:prstGeom prst="flowChartInternalStorage">
+            <a:avLst/>
+          </a:prstGeom>
+          <a:solidFill>
+            <a:schemeClr val="bg2"/>
+          </a:solidFill>
+          <a:ln>
+            <a:solidFill>
+              <a:schemeClr val="tx1">
+                <a:lumMod val="50000"/>
+                <a:lumOff val="50000"/>
+              </a:schemeClr>
+            </a:solidFill>
+          </a:ln>
+        </p:spPr>
+        <p:style>
+          <a:lnRef idx="2">
+            <a:schemeClr val="accent1">
+              <a:shade val="50000"/>
+            </a:schemeClr>
+          </a:lnRef>
+          <a:fillRef idx="1">
+            <a:schemeClr val="accent1"/>
+          </a:fillRef>
+          <a:effectRef idx="0">
+            <a:schemeClr val="accent1"/>
+          </a:effectRef>
+          <a:fontRef idx="minor">
+            <a:schemeClr val="lt1"/>
+          </a:fontRef>
+        </p:style>
+        <p:txBody>
+          <a:bodyPr rtlCol="0" anchor="ctr"/>
+          <a:lstStyle/>
+          <a:p>
+            <a:pPr algn="ctr"/>
+            <a:r>
+              <a:rPr lang="de-DE" sz="1200" dirty="0">
+                <a:solidFill>
+                  <a:schemeClr val="tx1"/>
+                </a:solidFill>
+              </a:rPr>
+              <a:t>DEPS</a:t>
+            </a:r>
+          </a:p>
+        </p:txBody>
+      </p:sp>
+      <p:sp>
+        <p:nvSpPr>
+          <p:cNvPr id="9" name="Flowchart: Internal Storage 8">
+            <a:extLst>
+              <a:ext uri="{FF2B5EF4-FFF2-40B4-BE49-F238E27FC236}">
+                <a16:creationId xmlns:a16="http://schemas.microsoft.com/office/drawing/2014/main" id="{A4D1903C-8BCD-1CA3-6EE9-329FA14D98EA}"/>
+              </a:ext>
+            </a:extLst>
+          </p:cNvPr>
+          <p:cNvSpPr/>
+          <p:nvPr/>
+        </p:nvSpPr>
+        <p:spPr>
+          <a:xfrm>
+            <a:off x="2999656" y="1916832"/>
+            <a:ext cx="1152128" cy="720080"/>
+          </a:xfrm>
+          <a:prstGeom prst="flowChartInternalStorage">
+            <a:avLst/>
+          </a:prstGeom>
+          <a:solidFill>
+            <a:srgbClr val="FFD1D8"/>
+          </a:solidFill>
+          <a:ln w="28575">
+            <a:solidFill>
+              <a:srgbClr val="C00000"/>
+            </a:solidFill>
+          </a:ln>
+        </p:spPr>
+        <p:style>
+          <a:lnRef idx="2">
+            <a:schemeClr val="accent1">
+              <a:shade val="50000"/>
+            </a:schemeClr>
+          </a:lnRef>
+          <a:fillRef idx="1">
+            <a:schemeClr val="accent1"/>
+          </a:fillRef>
+          <a:effectRef idx="0">
+            <a:schemeClr val="accent1"/>
+          </a:effectRef>
+          <a:fontRef idx="minor">
+            <a:schemeClr val="lt1"/>
+          </a:fontRef>
+        </p:style>
+        <p:txBody>
+          <a:bodyPr rtlCol="0" anchor="ctr"/>
+          <a:lstStyle/>
+          <a:p>
+            <a:pPr algn="ctr"/>
+            <a:r>
+              <a:rPr lang="de-DE" sz="1200" dirty="0">
+                <a:solidFill>
+                  <a:srgbClr val="C00000"/>
+                </a:solidFill>
+              </a:rPr>
+              <a:t>IMP_STATE</a:t>
+            </a:r>
+          </a:p>
+        </p:txBody>
+      </p:sp>
+      <p:cxnSp>
+        <p:nvCxnSpPr>
+          <p:cNvPr id="11" name="Straight Connector 10">
+            <a:extLst>
+              <a:ext uri="{FF2B5EF4-FFF2-40B4-BE49-F238E27FC236}">
+                <a16:creationId xmlns:a16="http://schemas.microsoft.com/office/drawing/2014/main" id="{AFE1B322-2009-F729-CD98-89BB8965675E}"/>
+              </a:ext>
+            </a:extLst>
+          </p:cNvPr>
+          <p:cNvCxnSpPr>
+            <a:stCxn id="9" idx="3"/>
+            <a:endCxn id="2" idx="1"/>
+          </p:cNvCxnSpPr>
+          <p:nvPr/>
+        </p:nvCxnSpPr>
+        <p:spPr>
+          <a:xfrm>
+            <a:off x="4151784" y="2276872"/>
+            <a:ext cx="864096" cy="0"/>
+          </a:xfrm>
+          <a:prstGeom prst="line">
+            <a:avLst/>
+          </a:prstGeom>
+          <a:ln w="28575">
+            <a:solidFill>
+              <a:srgbClr val="C00000"/>
+            </a:solidFill>
+          </a:ln>
+        </p:spPr>
+        <p:style>
+          <a:lnRef idx="1">
+            <a:schemeClr val="accent1"/>
+          </a:lnRef>
+          <a:fillRef idx="0">
+            <a:schemeClr val="accent1"/>
+          </a:fillRef>
+          <a:effectRef idx="0">
+            <a:schemeClr val="accent1"/>
+          </a:effectRef>
+          <a:fontRef idx="minor">
+            <a:schemeClr val="tx1"/>
+          </a:fontRef>
+        </p:style>
+      </p:cxnSp>
+      <p:sp>
+        <p:nvSpPr>
+          <p:cNvPr id="12" name="TextBox 11">
+            <a:extLst>
+              <a:ext uri="{FF2B5EF4-FFF2-40B4-BE49-F238E27FC236}">
+                <a16:creationId xmlns:a16="http://schemas.microsoft.com/office/drawing/2014/main" id="{F4ABE622-45D9-8112-96BB-05C79B26E66C}"/>
+              </a:ext>
+            </a:extLst>
+          </p:cNvPr>
+          <p:cNvSpPr txBox="1"/>
+          <p:nvPr/>
+        </p:nvSpPr>
+        <p:spPr>
+          <a:xfrm>
+            <a:off x="4223792" y="2420888"/>
+            <a:ext cx="720080" cy="216024"/>
+          </a:xfrm>
+          <a:prstGeom prst="rect">
+            <a:avLst/>
+          </a:prstGeom>
+        </p:spPr>
+        <p:txBody>
+          <a:bodyPr vert="horz" wrap="square" lIns="0" tIns="0" rIns="0" bIns="0" rtlCol="0" anchor="t" anchorCtr="0">
+            <a:spAutoFit/>
+          </a:bodyPr>
+          <a:lstStyle/>
+          <a:p>
+            <a:pPr algn="ctr"/>
+            <a:r>
+              <a:rPr lang="de-DE" sz="1400" dirty="0"/>
+              <a:t>1:N</a:t>
+            </a:r>
+          </a:p>
+        </p:txBody>
+      </p:sp>
+      <p:cxnSp>
+        <p:nvCxnSpPr>
+          <p:cNvPr id="13" name="Straight Connector 12">
+            <a:extLst>
+              <a:ext uri="{FF2B5EF4-FFF2-40B4-BE49-F238E27FC236}">
+                <a16:creationId xmlns:a16="http://schemas.microsoft.com/office/drawing/2014/main" id="{2C97D32B-14F2-883A-5F50-F00743CCD0A5}"/>
+              </a:ext>
+            </a:extLst>
+          </p:cNvPr>
+          <p:cNvCxnSpPr>
+            <a:cxnSpLocks/>
+            <a:stCxn id="2" idx="2"/>
+            <a:endCxn id="5" idx="0"/>
+          </p:cNvCxnSpPr>
+          <p:nvPr/>
+        </p:nvCxnSpPr>
+        <p:spPr>
+          <a:xfrm>
+            <a:off x="5555940" y="2636912"/>
+            <a:ext cx="0" cy="576064"/>
+          </a:xfrm>
+          <a:prstGeom prst="line">
+            <a:avLst/>
+          </a:prstGeom>
+          <a:ln w="28575">
+            <a:solidFill>
+              <a:srgbClr val="C00000"/>
+            </a:solidFill>
+          </a:ln>
+        </p:spPr>
+        <p:style>
+          <a:lnRef idx="1">
+            <a:schemeClr val="accent1"/>
+          </a:lnRef>
+          <a:fillRef idx="0">
+            <a:schemeClr val="accent1"/>
+          </a:fillRef>
+          <a:effectRef idx="0">
+            <a:schemeClr val="accent1"/>
+          </a:effectRef>
+          <a:fontRef idx="minor">
+            <a:schemeClr val="tx1"/>
+          </a:fontRef>
+        </p:style>
+      </p:cxnSp>
+      <p:sp>
+        <p:nvSpPr>
+          <p:cNvPr id="14" name="TextBox 13">
+            <a:extLst>
+              <a:ext uri="{FF2B5EF4-FFF2-40B4-BE49-F238E27FC236}">
+                <a16:creationId xmlns:a16="http://schemas.microsoft.com/office/drawing/2014/main" id="{7A27D6A1-143D-71A8-AF48-CF0D48036C9A}"/>
+              </a:ext>
+            </a:extLst>
+          </p:cNvPr>
+          <p:cNvSpPr txBox="1"/>
+          <p:nvPr/>
+        </p:nvSpPr>
+        <p:spPr>
+          <a:xfrm>
+            <a:off x="4727848" y="2820684"/>
+            <a:ext cx="720080" cy="216024"/>
+          </a:xfrm>
+          <a:prstGeom prst="rect">
+            <a:avLst/>
+          </a:prstGeom>
+        </p:spPr>
+        <p:txBody>
+          <a:bodyPr vert="horz" wrap="square" lIns="0" tIns="0" rIns="0" bIns="0" rtlCol="0" anchor="t" anchorCtr="0">
+            <a:spAutoFit/>
+          </a:bodyPr>
+          <a:lstStyle/>
+          <a:p>
+            <a:pPr algn="r"/>
+            <a:r>
+              <a:rPr lang="de-DE" sz="1400" dirty="0"/>
+              <a:t>1:N</a:t>
+            </a:r>
+          </a:p>
+        </p:txBody>
+      </p:sp>
+      <p:cxnSp>
+        <p:nvCxnSpPr>
+          <p:cNvPr id="15" name="Straight Connector 14">
+            <a:extLst>
+              <a:ext uri="{FF2B5EF4-FFF2-40B4-BE49-F238E27FC236}">
+                <a16:creationId xmlns:a16="http://schemas.microsoft.com/office/drawing/2014/main" id="{88FECE9D-E9A9-0575-2C59-6D1D1429E737}"/>
+              </a:ext>
+            </a:extLst>
+          </p:cNvPr>
+          <p:cNvCxnSpPr>
+            <a:cxnSpLocks/>
+            <a:stCxn id="2" idx="3"/>
+            <a:endCxn id="7" idx="1"/>
+          </p:cNvCxnSpPr>
+          <p:nvPr/>
+        </p:nvCxnSpPr>
+        <p:spPr>
+          <a:xfrm>
+            <a:off x="6096000" y="2276872"/>
+            <a:ext cx="1330870" cy="0"/>
+          </a:xfrm>
+          <a:prstGeom prst="line">
+            <a:avLst/>
+          </a:prstGeom>
+          <a:ln w="28575">
+            <a:solidFill>
+              <a:srgbClr val="C00000"/>
+            </a:solidFill>
+          </a:ln>
+        </p:spPr>
+        <p:style>
+          <a:lnRef idx="1">
+            <a:schemeClr val="accent1"/>
+          </a:lnRef>
+          <a:fillRef idx="0">
+            <a:schemeClr val="accent1"/>
+          </a:fillRef>
+          <a:effectRef idx="0">
+            <a:schemeClr val="accent1"/>
+          </a:effectRef>
+          <a:fontRef idx="minor">
+            <a:schemeClr val="tx1"/>
+          </a:fontRef>
+        </p:style>
+      </p:cxnSp>
+      <p:sp>
+        <p:nvSpPr>
+          <p:cNvPr id="16" name="TextBox 15">
+            <a:extLst>
+              <a:ext uri="{FF2B5EF4-FFF2-40B4-BE49-F238E27FC236}">
+                <a16:creationId xmlns:a16="http://schemas.microsoft.com/office/drawing/2014/main" id="{69043668-6AB1-736A-3D88-DB26B663FEB2}"/>
+              </a:ext>
+            </a:extLst>
+          </p:cNvPr>
+          <p:cNvSpPr txBox="1"/>
+          <p:nvPr/>
+        </p:nvSpPr>
+        <p:spPr>
+          <a:xfrm>
+            <a:off x="6456040" y="2420888"/>
+            <a:ext cx="720080" cy="216024"/>
+          </a:xfrm>
+          <a:prstGeom prst="rect">
+            <a:avLst/>
+          </a:prstGeom>
+        </p:spPr>
+        <p:txBody>
+          <a:bodyPr vert="horz" wrap="square" lIns="0" tIns="0" rIns="0" bIns="0" rtlCol="0" anchor="t" anchorCtr="0">
+            <a:spAutoFit/>
+          </a:bodyPr>
+          <a:lstStyle/>
+          <a:p>
+            <a:pPr algn="ctr"/>
+            <a:r>
+              <a:rPr lang="de-DE" sz="1400" dirty="0"/>
+              <a:t>N:2</a:t>
+            </a:r>
+          </a:p>
+        </p:txBody>
+      </p:sp>
+      <p:cxnSp>
+        <p:nvCxnSpPr>
+          <p:cNvPr id="17" name="Straight Connector 16">
+            <a:extLst>
+              <a:ext uri="{FF2B5EF4-FFF2-40B4-BE49-F238E27FC236}">
+                <a16:creationId xmlns:a16="http://schemas.microsoft.com/office/drawing/2014/main" id="{C74DA264-AFC0-B28A-E547-8C87E0B56622}"/>
+              </a:ext>
+            </a:extLst>
+          </p:cNvPr>
+          <p:cNvCxnSpPr>
+            <a:cxnSpLocks/>
+          </p:cNvCxnSpPr>
+          <p:nvPr/>
+        </p:nvCxnSpPr>
+        <p:spPr>
+          <a:xfrm>
+            <a:off x="7968208" y="2636912"/>
+            <a:ext cx="0" cy="576064"/>
+          </a:xfrm>
+          <a:prstGeom prst="line">
+            <a:avLst/>
+          </a:prstGeom>
+          <a:ln>
+            <a:solidFill>
+              <a:schemeClr val="tx1">
+                <a:lumMod val="50000"/>
+                <a:lumOff val="50000"/>
+              </a:schemeClr>
+            </a:solidFill>
+          </a:ln>
+        </p:spPr>
+        <p:style>
+          <a:lnRef idx="1">
+            <a:schemeClr val="accent1"/>
+          </a:lnRef>
+          <a:fillRef idx="0">
+            <a:schemeClr val="accent1"/>
+          </a:fillRef>
+          <a:effectRef idx="0">
+            <a:schemeClr val="accent1"/>
+          </a:effectRef>
+          <a:fontRef idx="minor">
+            <a:schemeClr val="tx1"/>
+          </a:fontRef>
+        </p:style>
+      </p:cxnSp>
+      <p:sp>
+        <p:nvSpPr>
+          <p:cNvPr id="18" name="TextBox 17">
+            <a:extLst>
+              <a:ext uri="{FF2B5EF4-FFF2-40B4-BE49-F238E27FC236}">
+                <a16:creationId xmlns:a16="http://schemas.microsoft.com/office/drawing/2014/main" id="{8DE343C1-D7D1-DA88-0A1D-E5550E187179}"/>
+              </a:ext>
+            </a:extLst>
+          </p:cNvPr>
+          <p:cNvSpPr txBox="1"/>
+          <p:nvPr/>
+        </p:nvSpPr>
+        <p:spPr>
+          <a:xfrm>
+            <a:off x="8112224" y="2852936"/>
+            <a:ext cx="720080" cy="216024"/>
+          </a:xfrm>
+          <a:prstGeom prst="rect">
+            <a:avLst/>
+          </a:prstGeom>
+        </p:spPr>
+        <p:txBody>
+          <a:bodyPr vert="horz" wrap="square" lIns="0" tIns="0" rIns="0" bIns="0" rtlCol="0" anchor="t" anchorCtr="0">
+            <a:spAutoFit/>
+          </a:bodyPr>
+          <a:lstStyle/>
+          <a:p>
+            <a:r>
+              <a:rPr lang="de-DE" sz="1400" dirty="0"/>
+              <a:t>N:1</a:t>
+            </a:r>
+          </a:p>
+        </p:txBody>
+      </p:sp>
+      <p:cxnSp>
+        <p:nvCxnSpPr>
+          <p:cNvPr id="19" name="Straight Connector 18">
+            <a:extLst>
+              <a:ext uri="{FF2B5EF4-FFF2-40B4-BE49-F238E27FC236}">
+                <a16:creationId xmlns:a16="http://schemas.microsoft.com/office/drawing/2014/main" id="{28A5C61F-9E12-A481-7605-76C766AED5B3}"/>
+              </a:ext>
+            </a:extLst>
+          </p:cNvPr>
+          <p:cNvCxnSpPr>
+            <a:cxnSpLocks/>
+            <a:stCxn id="5" idx="3"/>
+            <a:endCxn id="8" idx="1"/>
+          </p:cNvCxnSpPr>
+          <p:nvPr/>
+        </p:nvCxnSpPr>
+        <p:spPr>
+          <a:xfrm flipV="1">
+            <a:off x="6096000" y="3570832"/>
+            <a:ext cx="1330870" cy="2184"/>
+          </a:xfrm>
+          <a:prstGeom prst="line">
+            <a:avLst/>
+          </a:prstGeom>
+          <a:ln w="28575">
+            <a:solidFill>
+              <a:srgbClr val="C00000"/>
+            </a:solidFill>
+          </a:ln>
+        </p:spPr>
+        <p:style>
+          <a:lnRef idx="1">
+            <a:schemeClr val="accent1"/>
+          </a:lnRef>
+          <a:fillRef idx="0">
+            <a:schemeClr val="accent1"/>
+          </a:fillRef>
+          <a:effectRef idx="0">
+            <a:schemeClr val="accent1"/>
+          </a:effectRef>
+          <a:fontRef idx="minor">
+            <a:schemeClr val="tx1"/>
+          </a:fontRef>
+        </p:style>
+      </p:cxnSp>
+      <p:sp>
+        <p:nvSpPr>
+          <p:cNvPr id="20" name="TextBox 19">
+            <a:extLst>
+              <a:ext uri="{FF2B5EF4-FFF2-40B4-BE49-F238E27FC236}">
+                <a16:creationId xmlns:a16="http://schemas.microsoft.com/office/drawing/2014/main" id="{534C96E8-7437-FB2F-0008-C47274CB5995}"/>
+              </a:ext>
+            </a:extLst>
+          </p:cNvPr>
+          <p:cNvSpPr txBox="1"/>
+          <p:nvPr/>
+        </p:nvSpPr>
+        <p:spPr>
+          <a:xfrm>
+            <a:off x="6456040" y="3662718"/>
+            <a:ext cx="720080" cy="216024"/>
+          </a:xfrm>
+          <a:prstGeom prst="rect">
+            <a:avLst/>
+          </a:prstGeom>
+        </p:spPr>
+        <p:txBody>
+          <a:bodyPr vert="horz" wrap="square" lIns="0" tIns="0" rIns="0" bIns="0" rtlCol="0" anchor="t" anchorCtr="0">
+            <a:spAutoFit/>
+          </a:bodyPr>
+          <a:lstStyle/>
+          <a:p>
+            <a:pPr algn="ctr"/>
+            <a:r>
+              <a:rPr lang="de-DE" sz="1400" dirty="0"/>
+              <a:t>N:1</a:t>
+            </a:r>
+          </a:p>
+        </p:txBody>
+      </p:sp>
+      <p:sp>
+        <p:nvSpPr>
+          <p:cNvPr id="21" name="Flowchart: Internal Storage 20">
+            <a:extLst>
+              <a:ext uri="{FF2B5EF4-FFF2-40B4-BE49-F238E27FC236}">
+                <a16:creationId xmlns:a16="http://schemas.microsoft.com/office/drawing/2014/main" id="{0623B30A-375A-448E-92B5-CEE1A9AFA2FE}"/>
+              </a:ext>
+            </a:extLst>
+          </p:cNvPr>
+          <p:cNvSpPr/>
+          <p:nvPr/>
+        </p:nvSpPr>
+        <p:spPr>
+          <a:xfrm>
+            <a:off x="2783632" y="3212976"/>
+            <a:ext cx="1368152" cy="720080"/>
+          </a:xfrm>
+          <a:prstGeom prst="flowChartInternalStorage">
+            <a:avLst/>
+          </a:prstGeom>
+          <a:solidFill>
+            <a:srgbClr val="FFD1D8"/>
+          </a:solidFill>
+          <a:ln w="28575">
+            <a:solidFill>
+              <a:srgbClr val="C00000"/>
+            </a:solidFill>
+          </a:ln>
+        </p:spPr>
+        <p:style>
+          <a:lnRef idx="2">
+            <a:schemeClr val="accent1">
+              <a:shade val="50000"/>
+            </a:schemeClr>
+          </a:lnRef>
+          <a:fillRef idx="1">
+            <a:schemeClr val="accent1"/>
+          </a:fillRef>
+          <a:effectRef idx="0">
+            <a:schemeClr val="accent1"/>
+          </a:effectRef>
+          <a:fontRef idx="minor">
+            <a:schemeClr val="lt1"/>
+          </a:fontRef>
+        </p:style>
+        <p:txBody>
+          <a:bodyPr rtlCol="0" anchor="ctr"/>
+          <a:lstStyle/>
+          <a:p>
+            <a:pPr algn="ctr"/>
+            <a:r>
+              <a:rPr lang="de-DE" sz="1200" dirty="0">
+                <a:solidFill>
+                  <a:srgbClr val="C00000"/>
+                </a:solidFill>
+              </a:rPr>
+              <a:t>IMP_DRIVER_TYPE</a:t>
+            </a:r>
+          </a:p>
+        </p:txBody>
+      </p:sp>
+      <p:cxnSp>
+        <p:nvCxnSpPr>
+          <p:cNvPr id="22" name="Straight Connector 21">
+            <a:extLst>
+              <a:ext uri="{FF2B5EF4-FFF2-40B4-BE49-F238E27FC236}">
+                <a16:creationId xmlns:a16="http://schemas.microsoft.com/office/drawing/2014/main" id="{098E08BD-622D-7248-4339-1934882F4D84}"/>
+              </a:ext>
+            </a:extLst>
+          </p:cNvPr>
+          <p:cNvCxnSpPr>
+            <a:cxnSpLocks/>
+            <a:stCxn id="21" idx="3"/>
+            <a:endCxn id="5" idx="1"/>
+          </p:cNvCxnSpPr>
+          <p:nvPr/>
+        </p:nvCxnSpPr>
+        <p:spPr>
+          <a:xfrm>
+            <a:off x="4151784" y="3573016"/>
+            <a:ext cx="864096" cy="0"/>
+          </a:xfrm>
+          <a:prstGeom prst="line">
+            <a:avLst/>
+          </a:prstGeom>
+          <a:ln w="28575">
+            <a:solidFill>
+              <a:srgbClr val="C00000"/>
+            </a:solidFill>
+          </a:ln>
+        </p:spPr>
+        <p:style>
+          <a:lnRef idx="1">
+            <a:schemeClr val="accent1"/>
+          </a:lnRef>
+          <a:fillRef idx="0">
+            <a:schemeClr val="accent1"/>
+          </a:fillRef>
+          <a:effectRef idx="0">
+            <a:schemeClr val="accent1"/>
+          </a:effectRef>
+          <a:fontRef idx="minor">
+            <a:schemeClr val="tx1"/>
+          </a:fontRef>
+        </p:style>
+      </p:cxnSp>
+      <p:sp>
+        <p:nvSpPr>
+          <p:cNvPr id="23" name="Flowchart: Internal Storage 22">
+            <a:extLst>
+              <a:ext uri="{FF2B5EF4-FFF2-40B4-BE49-F238E27FC236}">
+                <a16:creationId xmlns:a16="http://schemas.microsoft.com/office/drawing/2014/main" id="{0F0C11C3-F819-773C-C2E4-D5070220C7E0}"/>
+              </a:ext>
+            </a:extLst>
+          </p:cNvPr>
+          <p:cNvSpPr/>
+          <p:nvPr/>
+        </p:nvSpPr>
+        <p:spPr>
+          <a:xfrm>
+            <a:off x="5015880" y="4509120"/>
+            <a:ext cx="1080120" cy="720080"/>
+          </a:xfrm>
+          <a:prstGeom prst="flowChartInternalStorage">
+            <a:avLst/>
+          </a:prstGeom>
+          <a:solidFill>
+            <a:srgbClr val="FFD1D8"/>
+          </a:solidFill>
+          <a:ln w="28575">
+            <a:solidFill>
+              <a:srgbClr val="C00000"/>
+            </a:solidFill>
+          </a:ln>
+        </p:spPr>
+        <p:style>
+          <a:lnRef idx="2">
+            <a:schemeClr val="accent1">
+              <a:shade val="50000"/>
+            </a:schemeClr>
+          </a:lnRef>
+          <a:fillRef idx="1">
+            <a:schemeClr val="accent1"/>
+          </a:fillRef>
+          <a:effectRef idx="0">
+            <a:schemeClr val="accent1"/>
+          </a:effectRef>
+          <a:fontRef idx="minor">
+            <a:schemeClr val="lt1"/>
+          </a:fontRef>
+        </p:style>
+        <p:txBody>
+          <a:bodyPr rtlCol="0" anchor="ctr"/>
+          <a:lstStyle/>
+          <a:p>
+            <a:pPr algn="ctr"/>
+            <a:r>
+              <a:rPr lang="de-DE" sz="1200" dirty="0">
+                <a:solidFill>
+                  <a:srgbClr val="C00000"/>
+                </a:solidFill>
+              </a:rPr>
+              <a:t>IMP_ACC</a:t>
+            </a:r>
+          </a:p>
+        </p:txBody>
+      </p:sp>
+      <p:sp>
+        <p:nvSpPr>
+          <p:cNvPr id="24" name="TextBox 23">
+            <a:extLst>
+              <a:ext uri="{FF2B5EF4-FFF2-40B4-BE49-F238E27FC236}">
+                <a16:creationId xmlns:a16="http://schemas.microsoft.com/office/drawing/2014/main" id="{5813C848-2423-138E-41E5-D8AF18AD467B}"/>
+              </a:ext>
+            </a:extLst>
+          </p:cNvPr>
+          <p:cNvSpPr txBox="1"/>
+          <p:nvPr/>
+        </p:nvSpPr>
+        <p:spPr>
+          <a:xfrm>
+            <a:off x="4223792" y="3717032"/>
+            <a:ext cx="720080" cy="216024"/>
+          </a:xfrm>
+          <a:prstGeom prst="rect">
+            <a:avLst/>
+          </a:prstGeom>
+        </p:spPr>
+        <p:txBody>
+          <a:bodyPr vert="horz" wrap="square" lIns="0" tIns="0" rIns="0" bIns="0" rtlCol="0" anchor="t" anchorCtr="0">
+            <a:spAutoFit/>
+          </a:bodyPr>
+          <a:lstStyle/>
+          <a:p>
+            <a:pPr algn="ctr"/>
+            <a:r>
+              <a:rPr lang="de-DE" sz="1400" dirty="0"/>
+              <a:t>1:N</a:t>
+            </a:r>
+          </a:p>
+        </p:txBody>
+      </p:sp>
+      <p:cxnSp>
+        <p:nvCxnSpPr>
+          <p:cNvPr id="25" name="Connector: Elbow 24">
+            <a:extLst>
+              <a:ext uri="{FF2B5EF4-FFF2-40B4-BE49-F238E27FC236}">
+                <a16:creationId xmlns:a16="http://schemas.microsoft.com/office/drawing/2014/main" id="{DC256AEA-09C8-11CF-7B02-330FA5A6C98F}"/>
+              </a:ext>
+            </a:extLst>
+          </p:cNvPr>
+          <p:cNvCxnSpPr>
+            <a:stCxn id="21" idx="2"/>
+            <a:endCxn id="23" idx="1"/>
+          </p:cNvCxnSpPr>
+          <p:nvPr/>
+        </p:nvCxnSpPr>
+        <p:spPr>
+          <a:xfrm rot="16200000" flipH="1">
+            <a:off x="3773742" y="3627022"/>
+            <a:ext cx="936104" cy="1548172"/>
+          </a:xfrm>
+          <a:prstGeom prst="bentConnector2">
+            <a:avLst/>
+          </a:prstGeom>
+          <a:ln w="28575">
+            <a:solidFill>
+              <a:srgbClr val="C00000"/>
+            </a:solidFill>
+          </a:ln>
+        </p:spPr>
+        <p:style>
+          <a:lnRef idx="1">
+            <a:schemeClr val="accent1"/>
+          </a:lnRef>
+          <a:fillRef idx="0">
+            <a:schemeClr val="accent1"/>
+          </a:fillRef>
+          <a:effectRef idx="0">
+            <a:schemeClr val="accent1"/>
+          </a:effectRef>
+          <a:fontRef idx="minor">
+            <a:schemeClr val="tx1"/>
+          </a:fontRef>
+        </p:style>
+      </p:cxnSp>
+      <p:sp>
+        <p:nvSpPr>
+          <p:cNvPr id="26" name="TextBox 25">
+            <a:extLst>
+              <a:ext uri="{FF2B5EF4-FFF2-40B4-BE49-F238E27FC236}">
+                <a16:creationId xmlns:a16="http://schemas.microsoft.com/office/drawing/2014/main" id="{502B49F6-656D-21E7-22DA-7EA05A9AB844}"/>
+              </a:ext>
+            </a:extLst>
+          </p:cNvPr>
+          <p:cNvSpPr txBox="1"/>
+          <p:nvPr/>
+        </p:nvSpPr>
+        <p:spPr>
+          <a:xfrm>
+            <a:off x="3935760" y="5013176"/>
+            <a:ext cx="720080" cy="216024"/>
+          </a:xfrm>
+          <a:prstGeom prst="rect">
+            <a:avLst/>
+          </a:prstGeom>
+        </p:spPr>
+        <p:txBody>
+          <a:bodyPr vert="horz" wrap="square" lIns="0" tIns="0" rIns="0" bIns="0" rtlCol="0" anchor="t" anchorCtr="0">
+            <a:spAutoFit/>
+          </a:bodyPr>
+          <a:lstStyle/>
+          <a:p>
+            <a:pPr algn="ctr"/>
+            <a:r>
+              <a:rPr lang="de-DE" sz="1400" dirty="0"/>
+              <a:t>1:N</a:t>
+            </a:r>
+          </a:p>
+        </p:txBody>
+      </p:sp>
+    </p:spTree>
+    <p:extLst>
+      <p:ext uri="{BB962C8B-B14F-4D97-AF65-F5344CB8AC3E}">
+        <p14:creationId xmlns:p14="http://schemas.microsoft.com/office/powerpoint/2010/main" val="1538768894"/>
+      </p:ext>
+    </p:extLst>
+  </p:cSld>
+  <p:clrMapOvr>
+    <a:masterClrMapping/>
+  </p:clrMapOvr>
+</p:sld>
+</file>
+
 <file path=ppt/theme/theme1.xml><?xml version="1.0" encoding="utf-8"?>
 <a:theme xmlns:a="http://schemas.openxmlformats.org/drawingml/2006/main" name="Office Theme">
   <a:themeElements>
